--- a/ppt/Kilimanjaro.pptx
+++ b/ppt/Kilimanjaro.pptx
@@ -7,6 +7,7 @@
   <p:sldIdLst>
     <p:sldId id="259" r:id="rId2"/>
     <p:sldId id="258" r:id="rId3"/>
+    <p:sldId id="260" r:id="rId4"/>
   </p:sldIdLst>
   <p:sldSz cx="12192000" cy="6858000"/>
   <p:notesSz cx="6858000" cy="9144000"/>
@@ -1369,8 +1370,8 @@
   </dgm:ptLst>
   <dgm:cxnLst>
     <dgm:cxn modelId="{43B61840-F115-4174-96B9-DA0C0E83489E}" type="presOf" srcId="{9EF41CC5-EF3B-4A6D-8229-3F1333EADFB3}" destId="{CAD62F17-E99D-4FEF-B376-961CA4CB20EB}" srcOrd="0" destOrd="0" presId="urn:microsoft.com/office/officeart/2016/7/layout/LinearBlockProcessNumbered"/>
+    <dgm:cxn modelId="{29280853-1A86-48A7-BA30-A3847B3BBF6D}" type="presOf" srcId="{98E6DD7C-B953-4119-9F64-9914E467ECBF}" destId="{E20811D6-E5D4-4C9E-AABF-9E0E1902CA2C}" srcOrd="0" destOrd="0" presId="urn:microsoft.com/office/officeart/2016/7/layout/LinearBlockProcessNumbered"/>
     <dgm:cxn modelId="{0439566F-A180-439C-8FAE-14E400EF2DCF}" type="presOf" srcId="{8AA20905-3954-474B-A606-562BCA026DC1}" destId="{579698BD-D232-4926-8D7B-29A69B90858B}" srcOrd="0" destOrd="0" presId="urn:microsoft.com/office/officeart/2016/7/layout/LinearBlockProcessNumbered"/>
-    <dgm:cxn modelId="{29280853-1A86-48A7-BA30-A3847B3BBF6D}" type="presOf" srcId="{98E6DD7C-B953-4119-9F64-9914E467ECBF}" destId="{E20811D6-E5D4-4C9E-AABF-9E0E1902CA2C}" srcOrd="0" destOrd="0" presId="urn:microsoft.com/office/officeart/2016/7/layout/LinearBlockProcessNumbered"/>
     <dgm:cxn modelId="{F6B1598F-1951-460F-BB68-54B32A798437}" type="presOf" srcId="{DC13AB6D-DEA2-4CBB-AC69-1EF1A6AD1512}" destId="{5F398AEE-BC0F-4F30-99FA-92D67A176C2D}" srcOrd="1" destOrd="0" presId="urn:microsoft.com/office/officeart/2016/7/layout/LinearBlockProcessNumbered"/>
     <dgm:cxn modelId="{4B888393-351D-4489-90C9-5A68061AB236}" srcId="{8AA20905-3954-474B-A606-562BCA026DC1}" destId="{DC13AB6D-DEA2-4CBB-AC69-1EF1A6AD1512}" srcOrd="0" destOrd="0" parTransId="{2C752582-D9FF-4E04-A92F-827DB4BB5C48}" sibTransId="{9C64CC83-643C-4E12-8F97-BC19DC031190}"/>
     <dgm:cxn modelId="{BA068B95-2DA2-453B-8162-90B6AB26C20F}" type="presOf" srcId="{DC13AB6D-DEA2-4CBB-AC69-1EF1A6AD1512}" destId="{DA3A6BD4-857F-4C66-97FA-B1E1C180A950}" srcOrd="0" destOrd="0" presId="urn:microsoft.com/office/officeart/2016/7/layout/LinearBlockProcessNumbered"/>
@@ -3419,7 +3420,7 @@
           <a:p>
             <a:fld id="{88D38747-4367-4BD2-8D51-C97E202738E2}" type="datetime1">
               <a:rPr lang="en-US" smtClean="0"/>
-              <a:t>3/7/2020</a:t>
+              <a:t>3/7/20</a:t>
             </a:fld>
             <a:endParaRPr lang="en-US" dirty="0"/>
           </a:p>
@@ -3724,7 +3725,7 @@
           <a:p>
             <a:fld id="{11F1B079-7EF0-44EE-B798-BCC497C9F3B2}" type="datetime1">
               <a:rPr lang="en-US" smtClean="0"/>
-              <a:t>3/7/2020</a:t>
+              <a:t>3/7/20</a:t>
             </a:fld>
             <a:endParaRPr lang="en-US" dirty="0"/>
           </a:p>
@@ -3918,7 +3919,7 @@
           <a:p>
             <a:fld id="{28FF70A8-1D13-4657-95F0-A9EA54967B8D}" type="datetime1">
               <a:rPr lang="en-US" smtClean="0"/>
-              <a:t>3/7/2020</a:t>
+              <a:t>3/7/20</a:t>
             </a:fld>
             <a:endParaRPr lang="en-US" dirty="0"/>
           </a:p>
@@ -4181,7 +4182,7 @@
           <a:p>
             <a:fld id="{21EB90AC-71BD-4C7F-8ACA-7B3F18292E63}" type="datetime1">
               <a:rPr lang="en-US" smtClean="0"/>
-              <a:t>3/7/2020</a:t>
+              <a:t>3/7/20</a:t>
             </a:fld>
             <a:endParaRPr lang="en-US" dirty="0"/>
           </a:p>
@@ -4617,7 +4618,7 @@
           <a:p>
             <a:fld id="{4E6EFC2C-8905-46F0-B443-CE905B76BA01}" type="datetime1">
               <a:rPr lang="en-US" smtClean="0"/>
-              <a:t>3/7/2020</a:t>
+              <a:t>3/7/20</a:t>
             </a:fld>
             <a:endParaRPr lang="en-US" dirty="0"/>
           </a:p>
@@ -5154,7 +5155,7 @@
           <a:p>
             <a:fld id="{D9079DC3-C9B5-499E-9140-0DC28B7074E2}" type="datetime1">
               <a:rPr lang="en-US" smtClean="0"/>
-              <a:t>3/7/2020</a:t>
+              <a:t>3/7/20</a:t>
             </a:fld>
             <a:endParaRPr lang="en-US" dirty="0"/>
           </a:p>
@@ -6036,7 +6037,7 @@
           <a:p>
             <a:fld id="{30BB33EA-E472-4D22-9C03-A9C14AA21CED}" type="datetime1">
               <a:rPr lang="en-US" smtClean="0"/>
-              <a:t>3/7/2020</a:t>
+              <a:t>3/7/20</a:t>
             </a:fld>
             <a:endParaRPr lang="en-US" dirty="0"/>
           </a:p>
@@ -6206,7 +6207,7 @@
           <a:p>
             <a:fld id="{217E833E-1B6D-415F-AD29-75AE8C43BD0D}" type="datetime1">
               <a:rPr lang="en-US" smtClean="0"/>
-              <a:t>3/7/2020</a:t>
+              <a:t>3/7/20</a:t>
             </a:fld>
             <a:endParaRPr lang="en-US" dirty="0"/>
           </a:p>
@@ -6390,7 +6391,7 @@
           <a:p>
             <a:fld id="{8452596F-08A7-4B70-989A-F2B1CF31E66B}" type="datetime1">
               <a:rPr lang="en-US" smtClean="0"/>
-              <a:t>3/7/2020</a:t>
+              <a:t>3/7/20</a:t>
             </a:fld>
             <a:endParaRPr lang="en-US" dirty="0"/>
           </a:p>
@@ -6560,7 +6561,7 @@
           <a:p>
             <a:fld id="{73C55A3C-5767-4844-A0A3-83778C2E5409}" type="datetime1">
               <a:rPr lang="en-US" smtClean="0"/>
-              <a:t>3/7/2020</a:t>
+              <a:t>3/7/20</a:t>
             </a:fld>
             <a:endParaRPr lang="en-US" dirty="0"/>
           </a:p>
@@ -6804,7 +6805,7 @@
           <a:p>
             <a:fld id="{CAE507A8-A5CF-4D38-AB86-7EDDA87A85D4}" type="datetime1">
               <a:rPr lang="en-US" smtClean="0"/>
-              <a:t>3/7/2020</a:t>
+              <a:t>3/7/20</a:t>
             </a:fld>
             <a:endParaRPr lang="en-US" dirty="0"/>
           </a:p>
@@ -7046,7 +7047,7 @@
           <a:p>
             <a:fld id="{BDFCD27C-8599-43EF-BA1D-14DDC1946E06}" type="datetime1">
               <a:rPr lang="en-US" smtClean="0"/>
-              <a:t>3/7/2020</a:t>
+              <a:t>3/7/20</a:t>
             </a:fld>
             <a:endParaRPr lang="en-US" dirty="0"/>
           </a:p>
@@ -7529,7 +7530,7 @@
           <a:p>
             <a:fld id="{49343D99-809A-49C0-96E5-4250D0B498EE}" type="datetime1">
               <a:rPr lang="en-US" smtClean="0"/>
-              <a:t>3/7/2020</a:t>
+              <a:t>3/7/20</a:t>
             </a:fld>
             <a:endParaRPr lang="en-US" dirty="0"/>
           </a:p>
@@ -7647,7 +7648,7 @@
           <a:p>
             <a:fld id="{A143DE9B-B678-4EFB-BB7D-A4370204A0B0}" type="datetime1">
               <a:rPr lang="en-US" smtClean="0"/>
-              <a:t>3/7/2020</a:t>
+              <a:t>3/7/20</a:t>
             </a:fld>
             <a:endParaRPr lang="en-US" dirty="0"/>
           </a:p>
@@ -7742,7 +7743,7 @@
           <a:p>
             <a:fld id="{E68812DA-F765-4142-A6A3-A8ED7235E082}" type="datetime1">
               <a:rPr lang="en-US" smtClean="0"/>
-              <a:t>3/7/2020</a:t>
+              <a:t>3/7/20</a:t>
             </a:fld>
             <a:endParaRPr lang="en-US" dirty="0"/>
           </a:p>
@@ -7997,7 +7998,7 @@
           <a:p>
             <a:fld id="{3E0277FD-7DE6-41D4-930D-AC99F5AFE54E}" type="datetime1">
               <a:rPr lang="en-US" smtClean="0"/>
-              <a:t>3/7/2020</a:t>
+              <a:t>3/7/20</a:t>
             </a:fld>
             <a:endParaRPr lang="en-US" dirty="0"/>
           </a:p>
@@ -8304,7 +8305,7 @@
           <a:p>
             <a:fld id="{9EA15526-7079-4B7B-987C-1B5FAE11A0FF}" type="datetime1">
               <a:rPr lang="en-US" smtClean="0"/>
-              <a:t>3/7/2020</a:t>
+              <a:t>3/7/20</a:t>
             </a:fld>
             <a:endParaRPr lang="en-US" dirty="0"/>
           </a:p>
@@ -8539,7 +8540,7 @@
           <a:p>
             <a:fld id="{073ED0CC-082F-4160-86E5-0D6041F12778}" type="datetime1">
               <a:rPr lang="en-US" smtClean="0"/>
-              <a:t>3/7/2020</a:t>
+              <a:t>3/7/20</a:t>
             </a:fld>
             <a:endParaRPr lang="en-US" dirty="0"/>
           </a:p>
@@ -9494,6 +9495,113 @@
 </p:sld>
 </file>
 
+<file path=ppt/slides/slide3.xml><?xml version="1.0" encoding="utf-8"?>
+<p:sld xmlns:a="http://schemas.openxmlformats.org/drawingml/2006/main" xmlns:r="http://schemas.openxmlformats.org/officeDocument/2006/relationships" xmlns:p="http://schemas.openxmlformats.org/presentationml/2006/main">
+  <p:cSld>
+    <p:spTree>
+      <p:nvGrpSpPr>
+        <p:cNvPr id="1" name=""/>
+        <p:cNvGrpSpPr/>
+        <p:nvPr/>
+      </p:nvGrpSpPr>
+      <p:grpSpPr>
+        <a:xfrm>
+          <a:off x="0" y="0"/>
+          <a:ext cx="0" cy="0"/>
+          <a:chOff x="0" y="0"/>
+          <a:chExt cx="0" cy="0"/>
+        </a:xfrm>
+      </p:grpSpPr>
+      <p:sp>
+        <p:nvSpPr>
+          <p:cNvPr id="2" name="標題 1">
+            <a:extLst>
+              <a:ext uri="{FF2B5EF4-FFF2-40B4-BE49-F238E27FC236}">
+                <a16:creationId xmlns:a16="http://schemas.microsoft.com/office/drawing/2014/main" id="{4D7E6F6A-FD0A-164B-B9BF-63951704B325}"/>
+              </a:ext>
+            </a:extLst>
+          </p:cNvPr>
+          <p:cNvSpPr>
+            <a:spLocks noGrp="1"/>
+          </p:cNvSpPr>
+          <p:nvPr>
+            <p:ph type="title"/>
+          </p:nvPr>
+        </p:nvSpPr>
+        <p:spPr/>
+        <p:txBody>
+          <a:bodyPr/>
+          <a:lstStyle/>
+          <a:p>
+            <a:r>
+              <a:rPr kumimoji="1" lang="zh-TW" altLang="en-US" dirty="0"/>
+              <a:t>廠商管理</a:t>
+            </a:r>
+          </a:p>
+        </p:txBody>
+      </p:sp>
+      <p:sp>
+        <p:nvSpPr>
+          <p:cNvPr id="3" name="內容版面配置區 2">
+            <a:extLst>
+              <a:ext uri="{FF2B5EF4-FFF2-40B4-BE49-F238E27FC236}">
+                <a16:creationId xmlns:a16="http://schemas.microsoft.com/office/drawing/2014/main" id="{46126126-192D-2D40-843C-539ADBA87864}"/>
+              </a:ext>
+            </a:extLst>
+          </p:cNvPr>
+          <p:cNvSpPr>
+            <a:spLocks noGrp="1"/>
+          </p:cNvSpPr>
+          <p:nvPr>
+            <p:ph idx="1"/>
+          </p:nvPr>
+        </p:nvSpPr>
+        <p:spPr/>
+        <p:txBody>
+          <a:bodyPr/>
+          <a:lstStyle/>
+          <a:p>
+            <a:r>
+              <a:rPr kumimoji="1" lang="zh-TW" altLang="en-US"/>
+              <a:t>新增</a:t>
+            </a:r>
+            <a:endParaRPr kumimoji="1" lang="en-US" altLang="zh-TW" dirty="0"/>
+          </a:p>
+          <a:p>
+            <a:r>
+              <a:rPr kumimoji="1" lang="zh-TW" altLang="en-US" dirty="0"/>
+              <a:t>修改</a:t>
+            </a:r>
+            <a:endParaRPr kumimoji="1" lang="en-US" altLang="zh-TW" dirty="0"/>
+          </a:p>
+          <a:p>
+            <a:r>
+              <a:rPr kumimoji="1" lang="zh-TW" altLang="en-US" dirty="0"/>
+              <a:t>刪除</a:t>
+            </a:r>
+            <a:endParaRPr kumimoji="1" lang="en-US" altLang="zh-TW" dirty="0"/>
+          </a:p>
+          <a:p>
+            <a:r>
+              <a:rPr kumimoji="1" lang="zh-TW" altLang="en-US" dirty="0"/>
+              <a:t>多個刪除</a:t>
+            </a:r>
+          </a:p>
+        </p:txBody>
+      </p:sp>
+    </p:spTree>
+    <p:extLst>
+      <p:ext uri="{BB962C8B-B14F-4D97-AF65-F5344CB8AC3E}">
+        <p14:creationId xmlns:p14="http://schemas.microsoft.com/office/powerpoint/2010/main" val="2148250500"/>
+      </p:ext>
+    </p:extLst>
+  </p:cSld>
+  <p:clrMapOvr>
+    <a:masterClrMapping/>
+  </p:clrMapOvr>
+</p:sld>
+</file>
+
 <file path=ppt/theme/theme1.xml><?xml version="1.0" encoding="utf-8"?>
 <a:theme xmlns:a="http://schemas.openxmlformats.org/drawingml/2006/main" name="SlateVTI">
   <a:themeElements>

--- a/ppt/Kilimanjaro.pptx
+++ b/ppt/Kilimanjaro.pptx
@@ -8,6 +8,10 @@
     <p:sldId id="259" r:id="rId2"/>
     <p:sldId id="258" r:id="rId3"/>
     <p:sldId id="260" r:id="rId4"/>
+    <p:sldId id="261" r:id="rId5"/>
+    <p:sldId id="262" r:id="rId6"/>
+    <p:sldId id="263" r:id="rId7"/>
+    <p:sldId id="264" r:id="rId8"/>
   </p:sldIdLst>
   <p:sldSz cx="12192000" cy="6858000"/>
   <p:notesSz cx="6858000" cy="9144000"/>
@@ -1271,6 +1275,13 @@
         </dgm:presLayoutVars>
       </dgm:prSet>
       <dgm:spPr/>
+      <dgm:t>
+        <a:bodyPr/>
+        <a:lstStyle/>
+        <a:p>
+          <a:endParaRPr lang="zh-TW" altLang="en-US"/>
+        </a:p>
+      </dgm:t>
     </dgm:pt>
     <dgm:pt modelId="{3DD5B223-886E-4FC7-BDA1-ECA869A474EC}" type="pres">
       <dgm:prSet presAssocID="{DC13AB6D-DEA2-4CBB-AC69-1EF1A6AD1512}" presName="compositeNode" presStyleCnt="0">
@@ -1283,6 +1294,13 @@
     <dgm:pt modelId="{DA3A6BD4-857F-4C66-97FA-B1E1C180A950}" type="pres">
       <dgm:prSet presAssocID="{DC13AB6D-DEA2-4CBB-AC69-1EF1A6AD1512}" presName="bgRect" presStyleLbl="alignNode1" presStyleIdx="0" presStyleCnt="3"/>
       <dgm:spPr/>
+      <dgm:t>
+        <a:bodyPr/>
+        <a:lstStyle/>
+        <a:p>
+          <a:endParaRPr lang="zh-TW" altLang="en-US"/>
+        </a:p>
+      </dgm:t>
     </dgm:pt>
     <dgm:pt modelId="{BBA91679-4684-4A04-8AEB-03038C78A75C}" type="pres">
       <dgm:prSet presAssocID="{9C64CC83-643C-4E12-8F97-BC19DC031190}" presName="sibTransNodeRect" presStyleLbl="alignNode1" presStyleIdx="0" presStyleCnt="3">
@@ -1292,6 +1310,13 @@
         </dgm:presLayoutVars>
       </dgm:prSet>
       <dgm:spPr/>
+      <dgm:t>
+        <a:bodyPr/>
+        <a:lstStyle/>
+        <a:p>
+          <a:endParaRPr lang="zh-TW" altLang="en-US"/>
+        </a:p>
+      </dgm:t>
     </dgm:pt>
     <dgm:pt modelId="{5F398AEE-BC0F-4F30-99FA-92D67A176C2D}" type="pres">
       <dgm:prSet presAssocID="{DC13AB6D-DEA2-4CBB-AC69-1EF1A6AD1512}" presName="nodeRect" presStyleLbl="alignNode1" presStyleIdx="0" presStyleCnt="3">
@@ -1300,6 +1325,13 @@
         </dgm:presLayoutVars>
       </dgm:prSet>
       <dgm:spPr/>
+      <dgm:t>
+        <a:bodyPr/>
+        <a:lstStyle/>
+        <a:p>
+          <a:endParaRPr lang="zh-TW" altLang="en-US"/>
+        </a:p>
+      </dgm:t>
     </dgm:pt>
     <dgm:pt modelId="{3C27A223-AC17-40BD-B7C5-0447661C2934}" type="pres">
       <dgm:prSet presAssocID="{9C64CC83-643C-4E12-8F97-BC19DC031190}" presName="sibTrans" presStyleCnt="0"/>
@@ -1316,6 +1348,13 @@
     <dgm:pt modelId="{00AE7F27-0E5D-4AFB-ACD6-B5A19E79EA42}" type="pres">
       <dgm:prSet presAssocID="{53742231-981F-480A-940F-203EC2F7423F}" presName="bgRect" presStyleLbl="alignNode1" presStyleIdx="1" presStyleCnt="3"/>
       <dgm:spPr/>
+      <dgm:t>
+        <a:bodyPr/>
+        <a:lstStyle/>
+        <a:p>
+          <a:endParaRPr lang="zh-TW" altLang="en-US"/>
+        </a:p>
+      </dgm:t>
     </dgm:pt>
     <dgm:pt modelId="{975C752B-C37A-4BA6-A3AE-2202A141404A}" type="pres">
       <dgm:prSet presAssocID="{EF449C32-A7AE-4099-9E9B-9E2F736A89CE}" presName="sibTransNodeRect" presStyleLbl="alignNode1" presStyleIdx="1" presStyleCnt="3">
@@ -1325,6 +1364,13 @@
         </dgm:presLayoutVars>
       </dgm:prSet>
       <dgm:spPr/>
+      <dgm:t>
+        <a:bodyPr/>
+        <a:lstStyle/>
+        <a:p>
+          <a:endParaRPr lang="zh-TW" altLang="en-US"/>
+        </a:p>
+      </dgm:t>
     </dgm:pt>
     <dgm:pt modelId="{C5BDCA19-B754-421E-A6CC-628F80FC74CB}" type="pres">
       <dgm:prSet presAssocID="{53742231-981F-480A-940F-203EC2F7423F}" presName="nodeRect" presStyleLbl="alignNode1" presStyleIdx="1" presStyleCnt="3">
@@ -1333,6 +1379,13 @@
         </dgm:presLayoutVars>
       </dgm:prSet>
       <dgm:spPr/>
+      <dgm:t>
+        <a:bodyPr/>
+        <a:lstStyle/>
+        <a:p>
+          <a:endParaRPr lang="zh-TW" altLang="en-US"/>
+        </a:p>
+      </dgm:t>
     </dgm:pt>
     <dgm:pt modelId="{3E36C1DA-E751-469B-91D5-B7ADF3790DAB}" type="pres">
       <dgm:prSet presAssocID="{EF449C32-A7AE-4099-9E9B-9E2F736A89CE}" presName="sibTrans" presStyleCnt="0"/>
@@ -1349,6 +1402,13 @@
     <dgm:pt modelId="{CAD62F17-E99D-4FEF-B376-961CA4CB20EB}" type="pres">
       <dgm:prSet presAssocID="{9EF41CC5-EF3B-4A6D-8229-3F1333EADFB3}" presName="bgRect" presStyleLbl="alignNode1" presStyleIdx="2" presStyleCnt="3"/>
       <dgm:spPr/>
+      <dgm:t>
+        <a:bodyPr/>
+        <a:lstStyle/>
+        <a:p>
+          <a:endParaRPr lang="zh-TW" altLang="en-US"/>
+        </a:p>
+      </dgm:t>
     </dgm:pt>
     <dgm:pt modelId="{E20811D6-E5D4-4C9E-AABF-9E0E1902CA2C}" type="pres">
       <dgm:prSet presAssocID="{98E6DD7C-B953-4119-9F64-9914E467ECBF}" presName="sibTransNodeRect" presStyleLbl="alignNode1" presStyleIdx="2" presStyleCnt="3">
@@ -1358,6 +1418,13 @@
         </dgm:presLayoutVars>
       </dgm:prSet>
       <dgm:spPr/>
+      <dgm:t>
+        <a:bodyPr/>
+        <a:lstStyle/>
+        <a:p>
+          <a:endParaRPr lang="zh-TW" altLang="en-US"/>
+        </a:p>
+      </dgm:t>
     </dgm:pt>
     <dgm:pt modelId="{67D48337-9200-42EF-A956-8FC92E9B78D2}" type="pres">
       <dgm:prSet presAssocID="{9EF41CC5-EF3B-4A6D-8229-3F1333EADFB3}" presName="nodeRect" presStyleLbl="alignNode1" presStyleIdx="2" presStyleCnt="3">
@@ -1366,22 +1433,29 @@
         </dgm:presLayoutVars>
       </dgm:prSet>
       <dgm:spPr/>
+      <dgm:t>
+        <a:bodyPr/>
+        <a:lstStyle/>
+        <a:p>
+          <a:endParaRPr lang="zh-TW" altLang="en-US"/>
+        </a:p>
+      </dgm:t>
     </dgm:pt>
   </dgm:ptLst>
   <dgm:cxnLst>
-    <dgm:cxn modelId="{43B61840-F115-4174-96B9-DA0C0E83489E}" type="presOf" srcId="{9EF41CC5-EF3B-4A6D-8229-3F1333EADFB3}" destId="{CAD62F17-E99D-4FEF-B376-961CA4CB20EB}" srcOrd="0" destOrd="0" presId="urn:microsoft.com/office/officeart/2016/7/layout/LinearBlockProcessNumbered"/>
-    <dgm:cxn modelId="{29280853-1A86-48A7-BA30-A3847B3BBF6D}" type="presOf" srcId="{98E6DD7C-B953-4119-9F64-9914E467ECBF}" destId="{E20811D6-E5D4-4C9E-AABF-9E0E1902CA2C}" srcOrd="0" destOrd="0" presId="urn:microsoft.com/office/officeart/2016/7/layout/LinearBlockProcessNumbered"/>
-    <dgm:cxn modelId="{0439566F-A180-439C-8FAE-14E400EF2DCF}" type="presOf" srcId="{8AA20905-3954-474B-A606-562BCA026DC1}" destId="{579698BD-D232-4926-8D7B-29A69B90858B}" srcOrd="0" destOrd="0" presId="urn:microsoft.com/office/officeart/2016/7/layout/LinearBlockProcessNumbered"/>
-    <dgm:cxn modelId="{F6B1598F-1951-460F-BB68-54B32A798437}" type="presOf" srcId="{DC13AB6D-DEA2-4CBB-AC69-1EF1A6AD1512}" destId="{5F398AEE-BC0F-4F30-99FA-92D67A176C2D}" srcOrd="1" destOrd="0" presId="urn:microsoft.com/office/officeart/2016/7/layout/LinearBlockProcessNumbered"/>
-    <dgm:cxn modelId="{4B888393-351D-4489-90C9-5A68061AB236}" srcId="{8AA20905-3954-474B-A606-562BCA026DC1}" destId="{DC13AB6D-DEA2-4CBB-AC69-1EF1A6AD1512}" srcOrd="0" destOrd="0" parTransId="{2C752582-D9FF-4E04-A92F-827DB4BB5C48}" sibTransId="{9C64CC83-643C-4E12-8F97-BC19DC031190}"/>
     <dgm:cxn modelId="{BA068B95-2DA2-453B-8162-90B6AB26C20F}" type="presOf" srcId="{DC13AB6D-DEA2-4CBB-AC69-1EF1A6AD1512}" destId="{DA3A6BD4-857F-4C66-97FA-B1E1C180A950}" srcOrd="0" destOrd="0" presId="urn:microsoft.com/office/officeart/2016/7/layout/LinearBlockProcessNumbered"/>
-    <dgm:cxn modelId="{07D44DA2-D4CF-4582-A029-20843D5E0F23}" type="presOf" srcId="{53742231-981F-480A-940F-203EC2F7423F}" destId="{C5BDCA19-B754-421E-A6CC-628F80FC74CB}" srcOrd="1" destOrd="0" presId="urn:microsoft.com/office/officeart/2016/7/layout/LinearBlockProcessNumbered"/>
-    <dgm:cxn modelId="{E476EEBC-7C9F-4E07-BD58-1044B9769B64}" srcId="{8AA20905-3954-474B-A606-562BCA026DC1}" destId="{9EF41CC5-EF3B-4A6D-8229-3F1333EADFB3}" srcOrd="2" destOrd="0" parTransId="{DAEF1C7D-B0C5-46FA-BED3-8A54E918D3E0}" sibTransId="{98E6DD7C-B953-4119-9F64-9914E467ECBF}"/>
-    <dgm:cxn modelId="{FDD130C2-CD74-4EFB-A226-A939177EE674}" type="presOf" srcId="{53742231-981F-480A-940F-203EC2F7423F}" destId="{00AE7F27-0E5D-4AFB-ACD6-B5A19E79EA42}" srcOrd="0" destOrd="0" presId="urn:microsoft.com/office/officeart/2016/7/layout/LinearBlockProcessNumbered"/>
     <dgm:cxn modelId="{F226B1C2-5D99-403A-8240-EAD6BD4D8534}" srcId="{8AA20905-3954-474B-A606-562BCA026DC1}" destId="{53742231-981F-480A-940F-203EC2F7423F}" srcOrd="1" destOrd="0" parTransId="{2FC75195-FBA1-43DE-85DD-40B4B3A2F1F3}" sibTransId="{EF449C32-A7AE-4099-9E9B-9E2F736A89CE}"/>
     <dgm:cxn modelId="{714928C7-F07E-48C4-BE9E-4842896AB09C}" type="presOf" srcId="{9C64CC83-643C-4E12-8F97-BC19DC031190}" destId="{BBA91679-4684-4A04-8AEB-03038C78A75C}" srcOrd="0" destOrd="0" presId="urn:microsoft.com/office/officeart/2016/7/layout/LinearBlockProcessNumbered"/>
+    <dgm:cxn modelId="{29280853-1A86-48A7-BA30-A3847B3BBF6D}" type="presOf" srcId="{98E6DD7C-B953-4119-9F64-9914E467ECBF}" destId="{E20811D6-E5D4-4C9E-AABF-9E0E1902CA2C}" srcOrd="0" destOrd="0" presId="urn:microsoft.com/office/officeart/2016/7/layout/LinearBlockProcessNumbered"/>
+    <dgm:cxn modelId="{E476EEBC-7C9F-4E07-BD58-1044B9769B64}" srcId="{8AA20905-3954-474B-A606-562BCA026DC1}" destId="{9EF41CC5-EF3B-4A6D-8229-3F1333EADFB3}" srcOrd="2" destOrd="0" parTransId="{DAEF1C7D-B0C5-46FA-BED3-8A54E918D3E0}" sibTransId="{98E6DD7C-B953-4119-9F64-9914E467ECBF}"/>
+    <dgm:cxn modelId="{F6B1598F-1951-460F-BB68-54B32A798437}" type="presOf" srcId="{DC13AB6D-DEA2-4CBB-AC69-1EF1A6AD1512}" destId="{5F398AEE-BC0F-4F30-99FA-92D67A176C2D}" srcOrd="1" destOrd="0" presId="urn:microsoft.com/office/officeart/2016/7/layout/LinearBlockProcessNumbered"/>
+    <dgm:cxn modelId="{0439566F-A180-439C-8FAE-14E400EF2DCF}" type="presOf" srcId="{8AA20905-3954-474B-A606-562BCA026DC1}" destId="{579698BD-D232-4926-8D7B-29A69B90858B}" srcOrd="0" destOrd="0" presId="urn:microsoft.com/office/officeart/2016/7/layout/LinearBlockProcessNumbered"/>
+    <dgm:cxn modelId="{B9FDDAF6-ABE3-43D5-A54F-4A0002D3FD47}" type="presOf" srcId="{EF449C32-A7AE-4099-9E9B-9E2F736A89CE}" destId="{975C752B-C37A-4BA6-A3AE-2202A141404A}" srcOrd="0" destOrd="0" presId="urn:microsoft.com/office/officeart/2016/7/layout/LinearBlockProcessNumbered"/>
+    <dgm:cxn modelId="{07D44DA2-D4CF-4582-A029-20843D5E0F23}" type="presOf" srcId="{53742231-981F-480A-940F-203EC2F7423F}" destId="{C5BDCA19-B754-421E-A6CC-628F80FC74CB}" srcOrd="1" destOrd="0" presId="urn:microsoft.com/office/officeart/2016/7/layout/LinearBlockProcessNumbered"/>
+    <dgm:cxn modelId="{43B61840-F115-4174-96B9-DA0C0E83489E}" type="presOf" srcId="{9EF41CC5-EF3B-4A6D-8229-3F1333EADFB3}" destId="{CAD62F17-E99D-4FEF-B376-961CA4CB20EB}" srcOrd="0" destOrd="0" presId="urn:microsoft.com/office/officeart/2016/7/layout/LinearBlockProcessNumbered"/>
+    <dgm:cxn modelId="{4B888393-351D-4489-90C9-5A68061AB236}" srcId="{8AA20905-3954-474B-A606-562BCA026DC1}" destId="{DC13AB6D-DEA2-4CBB-AC69-1EF1A6AD1512}" srcOrd="0" destOrd="0" parTransId="{2C752582-D9FF-4E04-A92F-827DB4BB5C48}" sibTransId="{9C64CC83-643C-4E12-8F97-BC19DC031190}"/>
     <dgm:cxn modelId="{7D7B6CF4-1A1D-4E61-B5FE-C95185EF2648}" type="presOf" srcId="{9EF41CC5-EF3B-4A6D-8229-3F1333EADFB3}" destId="{67D48337-9200-42EF-A956-8FC92E9B78D2}" srcOrd="1" destOrd="0" presId="urn:microsoft.com/office/officeart/2016/7/layout/LinearBlockProcessNumbered"/>
-    <dgm:cxn modelId="{B9FDDAF6-ABE3-43D5-A54F-4A0002D3FD47}" type="presOf" srcId="{EF449C32-A7AE-4099-9E9B-9E2F736A89CE}" destId="{975C752B-C37A-4BA6-A3AE-2202A141404A}" srcOrd="0" destOrd="0" presId="urn:microsoft.com/office/officeart/2016/7/layout/LinearBlockProcessNumbered"/>
+    <dgm:cxn modelId="{FDD130C2-CD74-4EFB-A226-A939177EE674}" type="presOf" srcId="{53742231-981F-480A-940F-203EC2F7423F}" destId="{00AE7F27-0E5D-4AFB-ACD6-B5A19E79EA42}" srcOrd="0" destOrd="0" presId="urn:microsoft.com/office/officeart/2016/7/layout/LinearBlockProcessNumbered"/>
     <dgm:cxn modelId="{6A5BED3A-71F8-4A71-9E51-1F50D58497B5}" type="presParOf" srcId="{579698BD-D232-4926-8D7B-29A69B90858B}" destId="{3DD5B223-886E-4FC7-BDA1-ECA869A474EC}" srcOrd="0" destOrd="0" presId="urn:microsoft.com/office/officeart/2016/7/layout/LinearBlockProcessNumbered"/>
     <dgm:cxn modelId="{50ED9B3F-B939-4662-8866-7D833C2E0794}" type="presParOf" srcId="{3DD5B223-886E-4FC7-BDA1-ECA869A474EC}" destId="{DA3A6BD4-857F-4C66-97FA-B1E1C180A950}" srcOrd="0" destOrd="0" presId="urn:microsoft.com/office/officeart/2016/7/layout/LinearBlockProcessNumbered"/>
     <dgm:cxn modelId="{0D013F25-1B82-4F7B-AEF4-E93C2E95B0C3}" type="presParOf" srcId="{3DD5B223-886E-4FC7-BDA1-ECA869A474EC}" destId="{BBA91679-4684-4A04-8AEB-03038C78A75C}" srcOrd="1" destOrd="0" presId="urn:microsoft.com/office/officeart/2016/7/layout/LinearBlockProcessNumbered"/>
@@ -1469,7 +1543,7 @@
         </a:bodyPr>
         <a:lstStyle/>
         <a:p>
-          <a:pPr marL="0" lvl="0" indent="0" algn="l" defTabSz="933450">
+          <a:pPr lvl="0" algn="l" defTabSz="933450">
             <a:lnSpc>
               <a:spcPct val="90000"/>
             </a:lnSpc>
@@ -1479,7 +1553,6 @@
             <a:spcAft>
               <a:spcPct val="35000"/>
             </a:spcAft>
-            <a:buNone/>
             <a:defRPr cap="all"/>
           </a:pPr>
           <a:endParaRPr lang="en-US" sz="2100" kern="1200" dirty="0"/>
@@ -1531,7 +1604,7 @@
         </a:bodyPr>
         <a:lstStyle/>
         <a:p>
-          <a:pPr marL="0" lvl="0" indent="0" algn="l" defTabSz="2933700">
+          <a:pPr lvl="0" algn="l" defTabSz="2933700">
             <a:lnSpc>
               <a:spcPct val="90000"/>
             </a:lnSpc>
@@ -1541,7 +1614,6 @@
             <a:spcAft>
               <a:spcPct val="35000"/>
             </a:spcAft>
-            <a:buNone/>
           </a:pPr>
           <a:r>
             <a:rPr lang="en-US" sz="6600" kern="1200"/>
@@ -1609,7 +1681,7 @@
         </a:bodyPr>
         <a:lstStyle/>
         <a:p>
-          <a:pPr marL="0" lvl="0" indent="0" algn="l" defTabSz="933450">
+          <a:pPr lvl="0" algn="l" defTabSz="933450">
             <a:lnSpc>
               <a:spcPct val="90000"/>
             </a:lnSpc>
@@ -1619,7 +1691,6 @@
             <a:spcAft>
               <a:spcPct val="35000"/>
             </a:spcAft>
-            <a:buNone/>
             <a:defRPr cap="all"/>
           </a:pPr>
           <a:r>
@@ -1722,7 +1793,7 @@
         </a:bodyPr>
         <a:lstStyle/>
         <a:p>
-          <a:pPr marL="0" lvl="0" indent="0" algn="l" defTabSz="2933700">
+          <a:pPr lvl="0" algn="l" defTabSz="2933700">
             <a:lnSpc>
               <a:spcPct val="90000"/>
             </a:lnSpc>
@@ -1732,7 +1803,6 @@
             <a:spcAft>
               <a:spcPct val="35000"/>
             </a:spcAft>
-            <a:buNone/>
           </a:pPr>
           <a:r>
             <a:rPr lang="en-US" sz="6600" kern="1200"/>
@@ -1799,7 +1869,7 @@
         </a:bodyPr>
         <a:lstStyle/>
         <a:p>
-          <a:pPr marL="0" lvl="0" indent="0" algn="l" defTabSz="933450">
+          <a:pPr lvl="0" algn="l" defTabSz="933450">
             <a:lnSpc>
               <a:spcPct val="90000"/>
             </a:lnSpc>
@@ -1809,7 +1879,6 @@
             <a:spcAft>
               <a:spcPct val="35000"/>
             </a:spcAft>
-            <a:buNone/>
             <a:defRPr cap="all"/>
           </a:pPr>
           <a:r>
@@ -1908,7 +1977,7 @@
         </a:bodyPr>
         <a:lstStyle/>
         <a:p>
-          <a:pPr marL="0" lvl="0" indent="0" algn="l" defTabSz="2933700">
+          <a:pPr lvl="0" algn="l" defTabSz="2933700">
             <a:lnSpc>
               <a:spcPct val="90000"/>
             </a:lnSpc>
@@ -1918,7 +1987,6 @@
             <a:spcAft>
               <a:spcPct val="35000"/>
             </a:spcAft>
-            <a:buNone/>
           </a:pPr>
           <a:r>
             <a:rPr lang="en-US" sz="6600" kern="1200"/>
@@ -2189,7 +2257,7 @@
   </dgm:layoutNode>
   <dgm:extLst>
     <a:ext uri="{4F341089-5ED1-44EC-B178-C955D00A3D55}">
-      <dgm1611:autoBuNodeInfoLst xmlns:dgm1611="http://schemas.microsoft.com/office/drawing/2016/11/diagram">
+      <dgm1611:autoBuNodeInfoLst xmlns:dgm1611="http://schemas.microsoft.com/office/drawing/2016/11/diagram" xmlns="">
         <dgm1611:autoBuNodeInfo lvl="1" ptType="sibTrans">
           <dgm1611:buPr prefix="" leadZeros="1">
             <a:buAutoNum type="arabicParenBoth"/>
@@ -3420,7 +3488,7 @@
           <a:p>
             <a:fld id="{88D38747-4367-4BD2-8D51-C97E202738E2}" type="datetime1">
               <a:rPr lang="en-US" smtClean="0"/>
-              <a:t>3/7/20</a:t>
+              <a:t>3/8/2020</a:t>
             </a:fld>
             <a:endParaRPr lang="en-US" dirty="0"/>
           </a:p>
@@ -3725,7 +3793,7 @@
           <a:p>
             <a:fld id="{11F1B079-7EF0-44EE-B798-BCC497C9F3B2}" type="datetime1">
               <a:rPr lang="en-US" smtClean="0"/>
-              <a:t>3/7/20</a:t>
+              <a:t>3/8/2020</a:t>
             </a:fld>
             <a:endParaRPr lang="en-US" dirty="0"/>
           </a:p>
@@ -3919,7 +3987,7 @@
           <a:p>
             <a:fld id="{28FF70A8-1D13-4657-95F0-A9EA54967B8D}" type="datetime1">
               <a:rPr lang="en-US" smtClean="0"/>
-              <a:t>3/7/20</a:t>
+              <a:t>3/8/2020</a:t>
             </a:fld>
             <a:endParaRPr lang="en-US" dirty="0"/>
           </a:p>
@@ -4182,7 +4250,7 @@
           <a:p>
             <a:fld id="{21EB90AC-71BD-4C7F-8ACA-7B3F18292E63}" type="datetime1">
               <a:rPr lang="en-US" smtClean="0"/>
-              <a:t>3/7/20</a:t>
+              <a:t>3/8/2020</a:t>
             </a:fld>
             <a:endParaRPr lang="en-US" dirty="0"/>
           </a:p>
@@ -4618,7 +4686,7 @@
           <a:p>
             <a:fld id="{4E6EFC2C-8905-46F0-B443-CE905B76BA01}" type="datetime1">
               <a:rPr lang="en-US" smtClean="0"/>
-              <a:t>3/7/20</a:t>
+              <a:t>3/8/2020</a:t>
             </a:fld>
             <a:endParaRPr lang="en-US" dirty="0"/>
           </a:p>
@@ -5155,7 +5223,7 @@
           <a:p>
             <a:fld id="{D9079DC3-C9B5-499E-9140-0DC28B7074E2}" type="datetime1">
               <a:rPr lang="en-US" smtClean="0"/>
-              <a:t>3/7/20</a:t>
+              <a:t>3/8/2020</a:t>
             </a:fld>
             <a:endParaRPr lang="en-US" dirty="0"/>
           </a:p>
@@ -6037,7 +6105,7 @@
           <a:p>
             <a:fld id="{30BB33EA-E472-4D22-9C03-A9C14AA21CED}" type="datetime1">
               <a:rPr lang="en-US" smtClean="0"/>
-              <a:t>3/7/20</a:t>
+              <a:t>3/8/2020</a:t>
             </a:fld>
             <a:endParaRPr lang="en-US" dirty="0"/>
           </a:p>
@@ -6207,7 +6275,7 @@
           <a:p>
             <a:fld id="{217E833E-1B6D-415F-AD29-75AE8C43BD0D}" type="datetime1">
               <a:rPr lang="en-US" smtClean="0"/>
-              <a:t>3/7/20</a:t>
+              <a:t>3/8/2020</a:t>
             </a:fld>
             <a:endParaRPr lang="en-US" dirty="0"/>
           </a:p>
@@ -6391,7 +6459,7 @@
           <a:p>
             <a:fld id="{8452596F-08A7-4B70-989A-F2B1CF31E66B}" type="datetime1">
               <a:rPr lang="en-US" smtClean="0"/>
-              <a:t>3/7/20</a:t>
+              <a:t>3/8/2020</a:t>
             </a:fld>
             <a:endParaRPr lang="en-US" dirty="0"/>
           </a:p>
@@ -6561,7 +6629,7 @@
           <a:p>
             <a:fld id="{73C55A3C-5767-4844-A0A3-83778C2E5409}" type="datetime1">
               <a:rPr lang="en-US" smtClean="0"/>
-              <a:t>3/7/20</a:t>
+              <a:t>3/8/2020</a:t>
             </a:fld>
             <a:endParaRPr lang="en-US" dirty="0"/>
           </a:p>
@@ -6805,7 +6873,7 @@
           <a:p>
             <a:fld id="{CAE507A8-A5CF-4D38-AB86-7EDDA87A85D4}" type="datetime1">
               <a:rPr lang="en-US" smtClean="0"/>
-              <a:t>3/7/20</a:t>
+              <a:t>3/8/2020</a:t>
             </a:fld>
             <a:endParaRPr lang="en-US" dirty="0"/>
           </a:p>
@@ -7047,7 +7115,7 @@
           <a:p>
             <a:fld id="{BDFCD27C-8599-43EF-BA1D-14DDC1946E06}" type="datetime1">
               <a:rPr lang="en-US" smtClean="0"/>
-              <a:t>3/7/20</a:t>
+              <a:t>3/8/2020</a:t>
             </a:fld>
             <a:endParaRPr lang="en-US" dirty="0"/>
           </a:p>
@@ -7530,7 +7598,7 @@
           <a:p>
             <a:fld id="{49343D99-809A-49C0-96E5-4250D0B498EE}" type="datetime1">
               <a:rPr lang="en-US" smtClean="0"/>
-              <a:t>3/7/20</a:t>
+              <a:t>3/8/2020</a:t>
             </a:fld>
             <a:endParaRPr lang="en-US" dirty="0"/>
           </a:p>
@@ -7648,7 +7716,7 @@
           <a:p>
             <a:fld id="{A143DE9B-B678-4EFB-BB7D-A4370204A0B0}" type="datetime1">
               <a:rPr lang="en-US" smtClean="0"/>
-              <a:t>3/7/20</a:t>
+              <a:t>3/8/2020</a:t>
             </a:fld>
             <a:endParaRPr lang="en-US" dirty="0"/>
           </a:p>
@@ -7743,7 +7811,7 @@
           <a:p>
             <a:fld id="{E68812DA-F765-4142-A6A3-A8ED7235E082}" type="datetime1">
               <a:rPr lang="en-US" smtClean="0"/>
-              <a:t>3/7/20</a:t>
+              <a:t>3/8/2020</a:t>
             </a:fld>
             <a:endParaRPr lang="en-US" dirty="0"/>
           </a:p>
@@ -7998,7 +8066,7 @@
           <a:p>
             <a:fld id="{3E0277FD-7DE6-41D4-930D-AC99F5AFE54E}" type="datetime1">
               <a:rPr lang="en-US" smtClean="0"/>
-              <a:t>3/7/20</a:t>
+              <a:t>3/8/2020</a:t>
             </a:fld>
             <a:endParaRPr lang="en-US" dirty="0"/>
           </a:p>
@@ -8305,7 +8373,7 @@
           <a:p>
             <a:fld id="{9EA15526-7079-4B7B-987C-1B5FAE11A0FF}" type="datetime1">
               <a:rPr lang="en-US" smtClean="0"/>
-              <a:t>3/7/20</a:t>
+              <a:t>3/8/2020</a:t>
             </a:fld>
             <a:endParaRPr lang="en-US" dirty="0"/>
           </a:p>
@@ -8540,7 +8608,7 @@
           <a:p>
             <a:fld id="{073ED0CC-082F-4160-86E5-0D6041F12778}" type="datetime1">
               <a:rPr lang="en-US" smtClean="0"/>
-              <a:t>3/7/20</a:t>
+              <a:t>3/8/2020</a:t>
             </a:fld>
             <a:endParaRPr lang="en-US" dirty="0"/>
           </a:p>
@@ -9602,6 +9670,469 @@
 </p:sld>
 </file>
 
+<file path=ppt/slides/slide4.xml><?xml version="1.0" encoding="utf-8"?>
+<p:sld xmlns:a="http://schemas.openxmlformats.org/drawingml/2006/main" xmlns:r="http://schemas.openxmlformats.org/officeDocument/2006/relationships" xmlns:p="http://schemas.openxmlformats.org/presentationml/2006/main">
+  <p:cSld>
+    <p:spTree>
+      <p:nvGrpSpPr>
+        <p:cNvPr id="1" name=""/>
+        <p:cNvGrpSpPr/>
+        <p:nvPr/>
+      </p:nvGrpSpPr>
+      <p:grpSpPr>
+        <a:xfrm>
+          <a:off x="0" y="0"/>
+          <a:ext cx="0" cy="0"/>
+          <a:chOff x="0" y="0"/>
+          <a:chExt cx="0" cy="0"/>
+        </a:xfrm>
+      </p:grpSpPr>
+      <p:sp>
+        <p:nvSpPr>
+          <p:cNvPr id="2" name="標題 1"/>
+          <p:cNvSpPr>
+            <a:spLocks noGrp="1"/>
+          </p:cNvSpPr>
+          <p:nvPr>
+            <p:ph type="title"/>
+          </p:nvPr>
+        </p:nvSpPr>
+        <p:spPr/>
+        <p:txBody>
+          <a:bodyPr/>
+          <a:lstStyle/>
+          <a:p>
+            <a:r>
+              <a:rPr lang="zh-TW" altLang="en-US" dirty="0" smtClean="0"/>
+              <a:t>註冊功能</a:t>
+            </a:r>
+            <a:endParaRPr lang="zh-TW" altLang="en-US" dirty="0"/>
+          </a:p>
+        </p:txBody>
+      </p:sp>
+      <p:sp>
+        <p:nvSpPr>
+          <p:cNvPr id="3" name="內容版面配置區 2"/>
+          <p:cNvSpPr>
+            <a:spLocks noGrp="1"/>
+          </p:cNvSpPr>
+          <p:nvPr>
+            <p:ph idx="1"/>
+          </p:nvPr>
+        </p:nvSpPr>
+        <p:spPr/>
+        <p:txBody>
+          <a:bodyPr/>
+          <a:lstStyle/>
+          <a:p>
+            <a:r>
+              <a:rPr lang="zh-TW" altLang="en-US" dirty="0" smtClean="0"/>
+              <a:t>賣家</a:t>
+            </a:r>
+            <a:r>
+              <a:rPr lang="en-US" altLang="zh-TW" dirty="0" smtClean="0"/>
+              <a:t>(</a:t>
+            </a:r>
+            <a:r>
+              <a:rPr lang="zh-TW" altLang="en-US" dirty="0" smtClean="0"/>
+              <a:t>廠商</a:t>
+            </a:r>
+            <a:r>
+              <a:rPr lang="en-US" altLang="zh-TW" dirty="0" smtClean="0"/>
+              <a:t>)</a:t>
+            </a:r>
+            <a:r>
+              <a:rPr lang="zh-TW" altLang="en-US" dirty="0" smtClean="0"/>
+              <a:t>註冊</a:t>
+            </a:r>
+            <a:endParaRPr lang="en-US" altLang="zh-TW" dirty="0" smtClean="0"/>
+          </a:p>
+          <a:p>
+            <a:endParaRPr lang="en-US" altLang="zh-TW" dirty="0" smtClean="0"/>
+          </a:p>
+          <a:p>
+            <a:r>
+              <a:rPr lang="zh-TW" altLang="en-US" dirty="0" smtClean="0"/>
+              <a:t>必</a:t>
+            </a:r>
+            <a:r>
+              <a:rPr lang="zh-TW" altLang="en-US" dirty="0"/>
+              <a:t>填</a:t>
+            </a:r>
+            <a:r>
+              <a:rPr lang="zh-TW" altLang="en-US" dirty="0" smtClean="0"/>
+              <a:t>欄位</a:t>
+            </a:r>
+            <a:endParaRPr lang="en-US" altLang="zh-TW" dirty="0" smtClean="0"/>
+          </a:p>
+          <a:p>
+            <a:endParaRPr lang="en-US" altLang="zh-TW" dirty="0" smtClean="0"/>
+          </a:p>
+          <a:p>
+            <a:r>
+              <a:rPr lang="zh-TW" altLang="en-US" dirty="0"/>
+              <a:t>欄位</a:t>
+            </a:r>
+            <a:r>
+              <a:rPr lang="zh-TW" altLang="en-US" dirty="0" smtClean="0"/>
+              <a:t>限制</a:t>
+            </a:r>
+            <a:endParaRPr lang="zh-TW" altLang="en-US" dirty="0"/>
+          </a:p>
+        </p:txBody>
+      </p:sp>
+    </p:spTree>
+    <p:extLst>
+      <p:ext uri="{BB962C8B-B14F-4D97-AF65-F5344CB8AC3E}">
+        <p14:creationId xmlns:p14="http://schemas.microsoft.com/office/powerpoint/2010/main" val="770895012"/>
+      </p:ext>
+    </p:extLst>
+  </p:cSld>
+  <p:clrMapOvr>
+    <a:masterClrMapping/>
+  </p:clrMapOvr>
+</p:sld>
+</file>
+
+<file path=ppt/slides/slide5.xml><?xml version="1.0" encoding="utf-8"?>
+<p:sld xmlns:a="http://schemas.openxmlformats.org/drawingml/2006/main" xmlns:r="http://schemas.openxmlformats.org/officeDocument/2006/relationships" xmlns:p="http://schemas.openxmlformats.org/presentationml/2006/main">
+  <p:cSld>
+    <p:spTree>
+      <p:nvGrpSpPr>
+        <p:cNvPr id="1" name=""/>
+        <p:cNvGrpSpPr/>
+        <p:nvPr/>
+      </p:nvGrpSpPr>
+      <p:grpSpPr>
+        <a:xfrm>
+          <a:off x="0" y="0"/>
+          <a:ext cx="0" cy="0"/>
+          <a:chOff x="0" y="0"/>
+          <a:chExt cx="0" cy="0"/>
+        </a:xfrm>
+      </p:grpSpPr>
+      <p:sp>
+        <p:nvSpPr>
+          <p:cNvPr id="2" name="標題 1"/>
+          <p:cNvSpPr>
+            <a:spLocks noGrp="1"/>
+          </p:cNvSpPr>
+          <p:nvPr>
+            <p:ph type="title"/>
+          </p:nvPr>
+        </p:nvSpPr>
+        <p:spPr/>
+        <p:txBody>
+          <a:bodyPr/>
+          <a:lstStyle/>
+          <a:p>
+            <a:r>
+              <a:rPr lang="zh-TW" altLang="en-US" dirty="0" smtClean="0"/>
+              <a:t>修改資料功能</a:t>
+            </a:r>
+            <a:endParaRPr lang="zh-TW" altLang="en-US" dirty="0"/>
+          </a:p>
+        </p:txBody>
+      </p:sp>
+      <p:sp>
+        <p:nvSpPr>
+          <p:cNvPr id="3" name="內容版面配置區 2"/>
+          <p:cNvSpPr>
+            <a:spLocks noGrp="1"/>
+          </p:cNvSpPr>
+          <p:nvPr>
+            <p:ph idx="1"/>
+          </p:nvPr>
+        </p:nvSpPr>
+        <p:spPr/>
+        <p:txBody>
+          <a:bodyPr>
+            <a:normAutofit lnSpcReduction="10000"/>
+          </a:bodyPr>
+          <a:lstStyle/>
+          <a:p>
+            <a:r>
+              <a:rPr lang="zh-TW" altLang="en-US" dirty="0" smtClean="0"/>
+              <a:t>帳號鎖定</a:t>
+            </a:r>
+            <a:endParaRPr lang="en-US" altLang="zh-TW" dirty="0" smtClean="0"/>
+          </a:p>
+          <a:p>
+            <a:endParaRPr lang="en-US" altLang="zh-TW" dirty="0"/>
+          </a:p>
+          <a:p>
+            <a:r>
+              <a:rPr lang="zh-TW" altLang="en-US" dirty="0" smtClean="0"/>
+              <a:t>選擇性修改</a:t>
+            </a:r>
+            <a:endParaRPr lang="en-US" altLang="zh-TW" dirty="0" smtClean="0"/>
+          </a:p>
+          <a:p>
+            <a:endParaRPr lang="en-US" altLang="zh-TW" dirty="0"/>
+          </a:p>
+          <a:p>
+            <a:r>
+              <a:rPr lang="zh-TW" altLang="en-US" dirty="0"/>
+              <a:t>必填</a:t>
+            </a:r>
+            <a:r>
+              <a:rPr lang="zh-TW" altLang="en-US" dirty="0" smtClean="0"/>
+              <a:t>欄位</a:t>
+            </a:r>
+            <a:endParaRPr lang="en-US" altLang="zh-TW" dirty="0" smtClean="0"/>
+          </a:p>
+          <a:p>
+            <a:endParaRPr lang="en-US" altLang="zh-TW" dirty="0"/>
+          </a:p>
+          <a:p>
+            <a:r>
+              <a:rPr lang="zh-TW" altLang="en-US" dirty="0"/>
+              <a:t>欄位限制</a:t>
+            </a:r>
+          </a:p>
+          <a:p>
+            <a:endParaRPr lang="en-US" altLang="zh-TW" dirty="0"/>
+          </a:p>
+          <a:p>
+            <a:endParaRPr lang="en-US" altLang="zh-TW" dirty="0"/>
+          </a:p>
+          <a:p>
+            <a:endParaRPr lang="zh-TW" altLang="en-US" dirty="0"/>
+          </a:p>
+        </p:txBody>
+      </p:sp>
+    </p:spTree>
+    <p:extLst>
+      <p:ext uri="{BB962C8B-B14F-4D97-AF65-F5344CB8AC3E}">
+        <p14:creationId xmlns:p14="http://schemas.microsoft.com/office/powerpoint/2010/main" val="2260180546"/>
+      </p:ext>
+    </p:extLst>
+  </p:cSld>
+  <p:clrMapOvr>
+    <a:masterClrMapping/>
+  </p:clrMapOvr>
+</p:sld>
+</file>
+
+<file path=ppt/slides/slide6.xml><?xml version="1.0" encoding="utf-8"?>
+<p:sld xmlns:a="http://schemas.openxmlformats.org/drawingml/2006/main" xmlns:r="http://schemas.openxmlformats.org/officeDocument/2006/relationships" xmlns:p="http://schemas.openxmlformats.org/presentationml/2006/main">
+  <p:cSld>
+    <p:spTree>
+      <p:nvGrpSpPr>
+        <p:cNvPr id="1" name=""/>
+        <p:cNvGrpSpPr/>
+        <p:nvPr/>
+      </p:nvGrpSpPr>
+      <p:grpSpPr>
+        <a:xfrm>
+          <a:off x="0" y="0"/>
+          <a:ext cx="0" cy="0"/>
+          <a:chOff x="0" y="0"/>
+          <a:chExt cx="0" cy="0"/>
+        </a:xfrm>
+      </p:grpSpPr>
+      <p:sp>
+        <p:nvSpPr>
+          <p:cNvPr id="2" name="標題 1"/>
+          <p:cNvSpPr>
+            <a:spLocks noGrp="1"/>
+          </p:cNvSpPr>
+          <p:nvPr>
+            <p:ph type="title"/>
+          </p:nvPr>
+        </p:nvSpPr>
+        <p:spPr/>
+        <p:txBody>
+          <a:bodyPr/>
+          <a:lstStyle/>
+          <a:p>
+            <a:r>
+              <a:rPr lang="zh-TW" altLang="en-US" dirty="0" smtClean="0"/>
+              <a:t>訊息管理</a:t>
+            </a:r>
+            <a:endParaRPr lang="zh-TW" altLang="en-US" dirty="0"/>
+          </a:p>
+        </p:txBody>
+      </p:sp>
+      <p:sp>
+        <p:nvSpPr>
+          <p:cNvPr id="3" name="內容版面配置區 2"/>
+          <p:cNvSpPr>
+            <a:spLocks noGrp="1"/>
+          </p:cNvSpPr>
+          <p:nvPr>
+            <p:ph idx="1"/>
+          </p:nvPr>
+        </p:nvSpPr>
+        <p:spPr/>
+        <p:txBody>
+          <a:bodyPr>
+            <a:normAutofit/>
+          </a:bodyPr>
+          <a:lstStyle/>
+          <a:p>
+            <a:r>
+              <a:rPr lang="zh-TW" altLang="en-US" dirty="0" smtClean="0"/>
+              <a:t>新增</a:t>
+            </a:r>
+            <a:endParaRPr lang="en-US" altLang="zh-TW" dirty="0"/>
+          </a:p>
+          <a:p>
+            <a:r>
+              <a:rPr lang="zh-TW" altLang="en-US" dirty="0" smtClean="0"/>
+              <a:t>修改</a:t>
+            </a:r>
+            <a:endParaRPr lang="en-US" altLang="zh-TW" dirty="0"/>
+          </a:p>
+          <a:p>
+            <a:r>
+              <a:rPr lang="zh-TW" altLang="en-US" dirty="0" smtClean="0"/>
+              <a:t>刪除</a:t>
+            </a:r>
+            <a:endParaRPr lang="en-US" altLang="zh-TW" dirty="0"/>
+          </a:p>
+          <a:p>
+            <a:r>
+              <a:rPr lang="zh-TW" altLang="en-US" dirty="0" smtClean="0"/>
+              <a:t>多個刪除</a:t>
+            </a:r>
+            <a:endParaRPr lang="en-US" altLang="zh-TW" dirty="0"/>
+          </a:p>
+          <a:p>
+            <a:r>
+              <a:rPr lang="zh-TW" altLang="en-US" dirty="0" smtClean="0"/>
+              <a:t>搜尋</a:t>
+            </a:r>
+            <a:endParaRPr lang="en-US" altLang="zh-TW" dirty="0" smtClean="0"/>
+          </a:p>
+          <a:p>
+            <a:endParaRPr lang="en-US" altLang="zh-TW" dirty="0"/>
+          </a:p>
+          <a:p>
+            <a:endParaRPr lang="zh-TW" altLang="en-US" dirty="0"/>
+          </a:p>
+        </p:txBody>
+      </p:sp>
+    </p:spTree>
+    <p:extLst>
+      <p:ext uri="{BB962C8B-B14F-4D97-AF65-F5344CB8AC3E}">
+        <p14:creationId xmlns:p14="http://schemas.microsoft.com/office/powerpoint/2010/main" val="1970878602"/>
+      </p:ext>
+    </p:extLst>
+  </p:cSld>
+  <p:clrMapOvr>
+    <a:masterClrMapping/>
+  </p:clrMapOvr>
+</p:sld>
+</file>
+
+<file path=ppt/slides/slide7.xml><?xml version="1.0" encoding="utf-8"?>
+<p:sld xmlns:a="http://schemas.openxmlformats.org/drawingml/2006/main" xmlns:r="http://schemas.openxmlformats.org/officeDocument/2006/relationships" xmlns:p="http://schemas.openxmlformats.org/presentationml/2006/main">
+  <p:cSld>
+    <p:spTree>
+      <p:nvGrpSpPr>
+        <p:cNvPr id="1" name=""/>
+        <p:cNvGrpSpPr/>
+        <p:nvPr/>
+      </p:nvGrpSpPr>
+      <p:grpSpPr>
+        <a:xfrm>
+          <a:off x="0" y="0"/>
+          <a:ext cx="0" cy="0"/>
+          <a:chOff x="0" y="0"/>
+          <a:chExt cx="0" cy="0"/>
+        </a:xfrm>
+      </p:grpSpPr>
+      <p:sp>
+        <p:nvSpPr>
+          <p:cNvPr id="2" name="標題 1"/>
+          <p:cNvSpPr>
+            <a:spLocks noGrp="1"/>
+          </p:cNvSpPr>
+          <p:nvPr>
+            <p:ph type="title"/>
+          </p:nvPr>
+        </p:nvSpPr>
+        <p:spPr/>
+        <p:txBody>
+          <a:bodyPr/>
+          <a:lstStyle/>
+          <a:p>
+            <a:r>
+              <a:rPr lang="zh-TW" altLang="en-US" dirty="0" smtClean="0"/>
+              <a:t>優惠活動與細節管理</a:t>
+            </a:r>
+            <a:endParaRPr lang="zh-TW" altLang="en-US" dirty="0"/>
+          </a:p>
+        </p:txBody>
+      </p:sp>
+      <p:sp>
+        <p:nvSpPr>
+          <p:cNvPr id="3" name="內容版面配置區 2"/>
+          <p:cNvSpPr>
+            <a:spLocks noGrp="1"/>
+          </p:cNvSpPr>
+          <p:nvPr>
+            <p:ph idx="1"/>
+          </p:nvPr>
+        </p:nvSpPr>
+        <p:spPr/>
+        <p:txBody>
+          <a:bodyPr/>
+          <a:lstStyle/>
+          <a:p>
+            <a:r>
+              <a:rPr lang="zh-TW" altLang="en-US" dirty="0"/>
+              <a:t>新增</a:t>
+            </a:r>
+            <a:endParaRPr lang="en-US" altLang="zh-TW" dirty="0"/>
+          </a:p>
+          <a:p>
+            <a:r>
+              <a:rPr lang="zh-TW" altLang="en-US" dirty="0"/>
+              <a:t>修改</a:t>
+            </a:r>
+            <a:endParaRPr lang="en-US" altLang="zh-TW" dirty="0"/>
+          </a:p>
+          <a:p>
+            <a:r>
+              <a:rPr lang="zh-TW" altLang="en-US" dirty="0"/>
+              <a:t>刪除</a:t>
+            </a:r>
+            <a:endParaRPr lang="en-US" altLang="zh-TW" dirty="0"/>
+          </a:p>
+          <a:p>
+            <a:r>
+              <a:rPr lang="zh-TW" altLang="en-US" dirty="0"/>
+              <a:t>多個刪除</a:t>
+            </a:r>
+            <a:endParaRPr lang="en-US" altLang="zh-TW" dirty="0"/>
+          </a:p>
+          <a:p>
+            <a:r>
+              <a:rPr lang="zh-TW" altLang="en-US" dirty="0"/>
+              <a:t>搜尋</a:t>
+            </a:r>
+            <a:endParaRPr lang="en-US" altLang="zh-TW" dirty="0"/>
+          </a:p>
+          <a:p>
+            <a:endParaRPr lang="zh-TW" altLang="en-US" dirty="0"/>
+          </a:p>
+        </p:txBody>
+      </p:sp>
+    </p:spTree>
+    <p:extLst>
+      <p:ext uri="{BB962C8B-B14F-4D97-AF65-F5344CB8AC3E}">
+        <p14:creationId xmlns:p14="http://schemas.microsoft.com/office/powerpoint/2010/main" val="3622762067"/>
+      </p:ext>
+    </p:extLst>
+  </p:cSld>
+  <p:clrMapOvr>
+    <a:masterClrMapping/>
+  </p:clrMapOvr>
+</p:sld>
+</file>
+
 <file path=ppt/theme/theme1.xml><?xml version="1.0" encoding="utf-8"?>
 <a:theme xmlns:a="http://schemas.openxmlformats.org/drawingml/2006/main" name="SlateVTI">
   <a:themeElements>
